--- a/01_FoundationProjects/RCC07_Robot_Car_Control_Using_IR/RCC07_Robot_Car_Control_Using_IR.pptx
+++ b/01_FoundationProjects/RCC07_Robot_Car_Control_Using_IR/RCC07_Robot_Car_Control_Using_IR.pptx
@@ -203,7 +203,7 @@
           <a:p>
             <a:fld id="{2A311A46-23A7-4CAD-863D-6397CDAD4FD2}" type="datetimeFigureOut">
               <a:rPr lang="en-GB" smtClean="0"/>
-              <a:t>11/01/2026</a:t>
+              <a:t>17/01/2026</a:t>
             </a:fld>
             <a:endParaRPr lang="en-GB"/>
           </a:p>
@@ -8525,7 +8525,7 @@
         </p:nvSpPr>
         <p:spPr bwMode="auto">
           <a:xfrm>
-            <a:off x="6420465" y="5339202"/>
+            <a:off x="6262712" y="4482191"/>
             <a:ext cx="5771535" cy="338554"/>
           </a:xfrm>
           <a:prstGeom prst="rect">
@@ -8639,7 +8639,7 @@
             <a:r>
               <a:rPr lang="en-GB" sz="1600" b="1" dirty="0">
                 <a:solidFill>
-                  <a:srgbClr val="00B0F0"/>
+                  <a:srgbClr val="FFFF00"/>
                 </a:solidFill>
               </a:rPr>
               <a:t>Code for Lesson RCC07 (RCC07_a_IR_Remore_Code_Rx.ino):</a:t>
@@ -8661,8 +8661,8 @@
         </p:nvSpPr>
         <p:spPr>
           <a:xfrm>
-            <a:off x="6510130" y="5923977"/>
-            <a:ext cx="4885191" cy="307777"/>
+            <a:off x="6348351" y="4926440"/>
+            <a:ext cx="4885191" cy="954107"/>
           </a:xfrm>
           <a:prstGeom prst="rect">
             <a:avLst/>
@@ -8774,7 +8774,14 @@
             </a:lvl9pPr>
           </a:lstStyle>
           <a:p>
-            <a:endParaRPr lang="en-GB" dirty="0"/>
+            <a:r>
+              <a:rPr lang="en-GB" dirty="0">
+                <a:solidFill>
+                  <a:srgbClr val="00B0F0"/>
+                </a:solidFill>
+              </a:rPr>
+              <a:t>https://github.com/info-zas/zas-robotics-car-2-communications/blob/main/01_FoundationProjects/RCC07_Robot_Car_Control_Using_IR/RCC07_a_IR_Remore_Code_Rx/RCC07_a_IR_Remore_Code_Rx.ino</a:t>
+            </a:r>
           </a:p>
         </p:txBody>
       </p:sp>
@@ -9706,7 +9713,7 @@
         </p:nvSpPr>
         <p:spPr bwMode="auto">
           <a:xfrm>
-            <a:off x="5093109" y="5801589"/>
+            <a:off x="84572" y="4071112"/>
             <a:ext cx="5771535" cy="584775"/>
           </a:xfrm>
           <a:prstGeom prst="rect">
@@ -9858,8 +9865,8 @@
         </p:nvSpPr>
         <p:spPr>
           <a:xfrm>
-            <a:off x="5182774" y="6386364"/>
-            <a:ext cx="4885191" cy="307777"/>
+            <a:off x="84572" y="4750078"/>
+            <a:ext cx="4885191" cy="954107"/>
           </a:xfrm>
           <a:prstGeom prst="rect">
             <a:avLst/>
@@ -9971,7 +9978,14 @@
             </a:lvl9pPr>
           </a:lstStyle>
           <a:p>
-            <a:endParaRPr lang="en-GB" dirty="0"/>
+            <a:r>
+              <a:rPr lang="en-GB" dirty="0">
+                <a:solidFill>
+                  <a:srgbClr val="00B0F0"/>
+                </a:solidFill>
+              </a:rPr>
+              <a:t>https://github.com/info-zas/zas-robotics-car-2-communications/blob/main/01_FoundationProjects/RCC07_Robot_Car_Control_Using_IR/RCC07_b_Robot_Car_Control_Using_IR_Rx/RCC07_b_Robot_Car_Control_Using_IR_Rx.ino</a:t>
+            </a:r>
           </a:p>
         </p:txBody>
       </p:sp>
@@ -9994,7 +10008,7 @@
         <p:spPr>
           <a:xfrm>
             <a:off x="48431" y="1549877"/>
-            <a:ext cx="4749711" cy="4351338"/>
+            <a:ext cx="4749711" cy="2353529"/>
           </a:xfrm>
         </p:spPr>
         <p:txBody>
@@ -10044,19 +10058,6 @@
                 <a:srgbClr val="FFFF00"/>
               </a:solidFill>
             </a:endParaRPr>
-          </a:p>
-          <a:p>
-            <a:pPr marL="0" indent="0">
-              <a:buNone/>
-            </a:pPr>
-            <a:r>
-              <a:rPr lang="en-GB" b="1" dirty="0">
-                <a:solidFill>
-                  <a:srgbClr val="FFFF00"/>
-                </a:solidFill>
-              </a:rPr>
-              <a:t> </a:t>
-            </a:r>
           </a:p>
         </p:txBody>
       </p:sp>
